--- a/第六篇_IM的折中问题.pptx
+++ b/第六篇_IM的折中问题.pptx
@@ -11055,7 +11055,7 @@
           <a:p>
             <a:r>
               <a:rPr lang="zh-CN" altLang="en-US"/>
-              <a:t>高性能与高可靠</a:t>
+              <a:t>高吞吐与低延迟</a:t>
             </a:r>
             <a:endParaRPr lang="zh-CN" altLang="en-US"/>
           </a:p>
